--- a/Papers and Data Analysis/2020 ICCM/Visualizations/Interesting Start.pptx
+++ b/Papers and Data Analysis/2020 ICCM/Visualizations/Interesting Start.pptx
@@ -261,7 +261,7 @@
           <a:p>
             <a:fld id="{FA50319A-DB29-4040-A424-1A5E3F63CAF2}" type="datetimeFigureOut">
               <a:rPr lang="en-US" smtClean="0"/>
-              <a:t>1/28/2020</a:t>
+              <a:t>2/18/2020</a:t>
             </a:fld>
             <a:endParaRPr lang="en-US"/>
           </a:p>
@@ -459,7 +459,7 @@
           <a:p>
             <a:fld id="{FA50319A-DB29-4040-A424-1A5E3F63CAF2}" type="datetimeFigureOut">
               <a:rPr lang="en-US" smtClean="0"/>
-              <a:t>1/28/2020</a:t>
+              <a:t>2/18/2020</a:t>
             </a:fld>
             <a:endParaRPr lang="en-US"/>
           </a:p>
@@ -667,7 +667,7 @@
           <a:p>
             <a:fld id="{FA50319A-DB29-4040-A424-1A5E3F63CAF2}" type="datetimeFigureOut">
               <a:rPr lang="en-US" smtClean="0"/>
-              <a:t>1/28/2020</a:t>
+              <a:t>2/18/2020</a:t>
             </a:fld>
             <a:endParaRPr lang="en-US"/>
           </a:p>
@@ -865,7 +865,7 @@
           <a:p>
             <a:fld id="{FA50319A-DB29-4040-A424-1A5E3F63CAF2}" type="datetimeFigureOut">
               <a:rPr lang="en-US" smtClean="0"/>
-              <a:t>1/28/2020</a:t>
+              <a:t>2/18/2020</a:t>
             </a:fld>
             <a:endParaRPr lang="en-US"/>
           </a:p>
@@ -1140,7 +1140,7 @@
           <a:p>
             <a:fld id="{FA50319A-DB29-4040-A424-1A5E3F63CAF2}" type="datetimeFigureOut">
               <a:rPr lang="en-US" smtClean="0"/>
-              <a:t>1/28/2020</a:t>
+              <a:t>2/18/2020</a:t>
             </a:fld>
             <a:endParaRPr lang="en-US"/>
           </a:p>
@@ -1405,7 +1405,7 @@
           <a:p>
             <a:fld id="{FA50319A-DB29-4040-A424-1A5E3F63CAF2}" type="datetimeFigureOut">
               <a:rPr lang="en-US" smtClean="0"/>
-              <a:t>1/28/2020</a:t>
+              <a:t>2/18/2020</a:t>
             </a:fld>
             <a:endParaRPr lang="en-US"/>
           </a:p>
@@ -1817,7 +1817,7 @@
           <a:p>
             <a:fld id="{FA50319A-DB29-4040-A424-1A5E3F63CAF2}" type="datetimeFigureOut">
               <a:rPr lang="en-US" smtClean="0"/>
-              <a:t>1/28/2020</a:t>
+              <a:t>2/18/2020</a:t>
             </a:fld>
             <a:endParaRPr lang="en-US"/>
           </a:p>
@@ -1958,7 +1958,7 @@
           <a:p>
             <a:fld id="{FA50319A-DB29-4040-A424-1A5E3F63CAF2}" type="datetimeFigureOut">
               <a:rPr lang="en-US" smtClean="0"/>
-              <a:t>1/28/2020</a:t>
+              <a:t>2/18/2020</a:t>
             </a:fld>
             <a:endParaRPr lang="en-US"/>
           </a:p>
@@ -2071,7 +2071,7 @@
           <a:p>
             <a:fld id="{FA50319A-DB29-4040-A424-1A5E3F63CAF2}" type="datetimeFigureOut">
               <a:rPr lang="en-US" smtClean="0"/>
-              <a:t>1/28/2020</a:t>
+              <a:t>2/18/2020</a:t>
             </a:fld>
             <a:endParaRPr lang="en-US"/>
           </a:p>
@@ -2382,7 +2382,7 @@
           <a:p>
             <a:fld id="{FA50319A-DB29-4040-A424-1A5E3F63CAF2}" type="datetimeFigureOut">
               <a:rPr lang="en-US" smtClean="0"/>
-              <a:t>1/28/2020</a:t>
+              <a:t>2/18/2020</a:t>
             </a:fld>
             <a:endParaRPr lang="en-US"/>
           </a:p>
@@ -2670,7 +2670,7 @@
           <a:p>
             <a:fld id="{FA50319A-DB29-4040-A424-1A5E3F63CAF2}" type="datetimeFigureOut">
               <a:rPr lang="en-US" smtClean="0"/>
-              <a:t>1/28/2020</a:t>
+              <a:t>2/18/2020</a:t>
             </a:fld>
             <a:endParaRPr lang="en-US"/>
           </a:p>
@@ -2911,7 +2911,7 @@
           <a:p>
             <a:fld id="{FA50319A-DB29-4040-A424-1A5E3F63CAF2}" type="datetimeFigureOut">
               <a:rPr lang="en-US" smtClean="0"/>
-              <a:t>1/28/2020</a:t>
+              <a:t>2/18/2020</a:t>
             </a:fld>
             <a:endParaRPr lang="en-US"/>
           </a:p>
@@ -4583,8 +4583,172 @@
         </p:nvCxnSpPr>
         <p:spPr>
           <a:xfrm>
-            <a:off x="3184124" y="876772"/>
+            <a:off x="2926548" y="967770"/>
             <a:ext cx="442280" cy="401612"/>
+          </a:xfrm>
+          <a:prstGeom prst="straightConnector1">
+            <a:avLst/>
+          </a:prstGeom>
+          <a:ln w="57150">
+            <a:tailEnd type="triangle"/>
+          </a:ln>
+        </p:spPr>
+        <p:style>
+          <a:lnRef idx="3">
+            <a:schemeClr val="accent6"/>
+          </a:lnRef>
+          <a:fillRef idx="0">
+            <a:schemeClr val="accent6"/>
+          </a:fillRef>
+          <a:effectRef idx="2">
+            <a:schemeClr val="accent6"/>
+          </a:effectRef>
+          <a:fontRef idx="minor">
+            <a:schemeClr val="tx1"/>
+          </a:fontRef>
+        </p:style>
+      </p:cxnSp>
+      <p:cxnSp>
+        <p:nvCxnSpPr>
+          <p:cNvPr id="11" name="Straight Arrow Connector 10">
+            <a:extLst>
+              <a:ext uri="{FF2B5EF4-FFF2-40B4-BE49-F238E27FC236}">
+                <a16:creationId xmlns:a16="http://schemas.microsoft.com/office/drawing/2014/main" id="{A9565422-EBBE-4019-BB1E-36CAA6B0E6FA}"/>
+              </a:ext>
+            </a:extLst>
+          </p:cNvPr>
+          <p:cNvCxnSpPr>
+            <a:cxnSpLocks/>
+          </p:cNvCxnSpPr>
+          <p:nvPr/>
+        </p:nvCxnSpPr>
+        <p:spPr>
+          <a:xfrm>
+            <a:off x="3777448" y="179783"/>
+            <a:ext cx="1194047" cy="0"/>
+          </a:xfrm>
+          <a:prstGeom prst="straightConnector1">
+            <a:avLst/>
+          </a:prstGeom>
+          <a:ln w="57150">
+            <a:tailEnd type="triangle"/>
+          </a:ln>
+        </p:spPr>
+        <p:style>
+          <a:lnRef idx="3">
+            <a:schemeClr val="accent6"/>
+          </a:lnRef>
+          <a:fillRef idx="0">
+            <a:schemeClr val="accent6"/>
+          </a:fillRef>
+          <a:effectRef idx="2">
+            <a:schemeClr val="accent6"/>
+          </a:effectRef>
+          <a:fontRef idx="minor">
+            <a:schemeClr val="tx1"/>
+          </a:fontRef>
+        </p:style>
+      </p:cxnSp>
+      <p:cxnSp>
+        <p:nvCxnSpPr>
+          <p:cNvPr id="12" name="Straight Arrow Connector 11">
+            <a:extLst>
+              <a:ext uri="{FF2B5EF4-FFF2-40B4-BE49-F238E27FC236}">
+                <a16:creationId xmlns:a16="http://schemas.microsoft.com/office/drawing/2014/main" id="{DAB4C219-C4C5-4326-A6FD-1AE50E47A440}"/>
+              </a:ext>
+            </a:extLst>
+          </p:cNvPr>
+          <p:cNvCxnSpPr>
+            <a:cxnSpLocks/>
+          </p:cNvCxnSpPr>
+          <p:nvPr/>
+        </p:nvCxnSpPr>
+        <p:spPr>
+          <a:xfrm>
+            <a:off x="7314459" y="179783"/>
+            <a:ext cx="1101572" cy="0"/>
+          </a:xfrm>
+          <a:prstGeom prst="straightConnector1">
+            <a:avLst/>
+          </a:prstGeom>
+          <a:ln w="57150">
+            <a:tailEnd type="triangle"/>
+          </a:ln>
+        </p:spPr>
+        <p:style>
+          <a:lnRef idx="3">
+            <a:schemeClr val="accent6"/>
+          </a:lnRef>
+          <a:fillRef idx="0">
+            <a:schemeClr val="accent6"/>
+          </a:fillRef>
+          <a:effectRef idx="2">
+            <a:schemeClr val="accent6"/>
+          </a:effectRef>
+          <a:fontRef idx="minor">
+            <a:schemeClr val="tx1"/>
+          </a:fontRef>
+        </p:style>
+      </p:cxnSp>
+      <p:cxnSp>
+        <p:nvCxnSpPr>
+          <p:cNvPr id="16" name="Straight Arrow Connector 15">
+            <a:extLst>
+              <a:ext uri="{FF2B5EF4-FFF2-40B4-BE49-F238E27FC236}">
+                <a16:creationId xmlns:a16="http://schemas.microsoft.com/office/drawing/2014/main" id="{9381D22A-A1AE-4DAD-B39B-59831FA95007}"/>
+              </a:ext>
+            </a:extLst>
+          </p:cNvPr>
+          <p:cNvCxnSpPr>
+            <a:cxnSpLocks/>
+          </p:cNvCxnSpPr>
+          <p:nvPr/>
+        </p:nvCxnSpPr>
+        <p:spPr>
+          <a:xfrm flipH="1">
+            <a:off x="3275860" y="256155"/>
+            <a:ext cx="5113538" cy="629393"/>
+          </a:xfrm>
+          <a:prstGeom prst="straightConnector1">
+            <a:avLst/>
+          </a:prstGeom>
+          <a:ln w="57150">
+            <a:tailEnd type="triangle"/>
+          </a:ln>
+        </p:spPr>
+        <p:style>
+          <a:lnRef idx="3">
+            <a:schemeClr val="accent6"/>
+          </a:lnRef>
+          <a:fillRef idx="0">
+            <a:schemeClr val="accent6"/>
+          </a:fillRef>
+          <a:effectRef idx="2">
+            <a:schemeClr val="accent6"/>
+          </a:effectRef>
+          <a:fontRef idx="minor">
+            <a:schemeClr val="tx1"/>
+          </a:fontRef>
+        </p:style>
+      </p:cxnSp>
+      <p:cxnSp>
+        <p:nvCxnSpPr>
+          <p:cNvPr id="20" name="Straight Arrow Connector 19">
+            <a:extLst>
+              <a:ext uri="{FF2B5EF4-FFF2-40B4-BE49-F238E27FC236}">
+                <a16:creationId xmlns:a16="http://schemas.microsoft.com/office/drawing/2014/main" id="{3B1C255D-8F21-4F48-B531-A987A3BF9CFF}"/>
+              </a:ext>
+            </a:extLst>
+          </p:cNvPr>
+          <p:cNvCxnSpPr>
+            <a:cxnSpLocks/>
+          </p:cNvCxnSpPr>
+          <p:nvPr/>
+        </p:nvCxnSpPr>
+        <p:spPr>
+          <a:xfrm flipH="1">
+            <a:off x="4225771" y="3055413"/>
+            <a:ext cx="4163627" cy="736090"/>
           </a:xfrm>
           <a:prstGeom prst="straightConnector1">
             <a:avLst/>
